--- a/Chapter 07 - Docker Stacks.pptx
+++ b/Chapter 07 - Docker Stacks.pptx
@@ -218,7 +218,7 @@
           <a:noFill/>
           <a:extLst>
             <a:ext uri="{909E8E84-426E-40dd-AFC4-6F175D3DCCD1}">
-              <a14:hiddenFill xmlns:a14="http://schemas.microsoft.com/office/drawing/2010/main" xmlns="">
+              <a14:hiddenFill xmlns="" xmlns:a14="http://schemas.microsoft.com/office/drawing/2010/main">
                 <a:solidFill>
                   <a:srgbClr val="FFFFFF"/>
                 </a:solidFill>
@@ -277,7 +277,7 @@
             </a:ln>
             <a:extLst>
               <a:ext uri="{91240B29-F687-4f45-9708-019B960494DF}">
-                <a14:hiddenLine xmlns:a14="http://schemas.microsoft.com/office/drawing/2010/main" xmlns="" w="9525">
+                <a14:hiddenLine xmlns="" xmlns:a14="http://schemas.microsoft.com/office/drawing/2010/main" w="9525">
                   <a:solidFill>
                     <a:srgbClr val="000000"/>
                   </a:solidFill>
@@ -367,7 +367,7 @@
             </a:ln>
             <a:extLst>
               <a:ext uri="{91240B29-F687-4f45-9708-019B960494DF}">
-                <a14:hiddenLine xmlns:a14="http://schemas.microsoft.com/office/drawing/2010/main" xmlns="" w="9525">
+                <a14:hiddenLine xmlns="" xmlns:a14="http://schemas.microsoft.com/office/drawing/2010/main" w="9525">
                   <a:solidFill>
                     <a:srgbClr val="000000"/>
                   </a:solidFill>
@@ -457,7 +457,7 @@
             </a:ln>
             <a:extLst>
               <a:ext uri="{91240B29-F687-4f45-9708-019B960494DF}">
-                <a14:hiddenLine xmlns:a14="http://schemas.microsoft.com/office/drawing/2010/main" xmlns="" w="9525">
+                <a14:hiddenLine xmlns="" xmlns:a14="http://schemas.microsoft.com/office/drawing/2010/main" w="9525">
                   <a:solidFill>
                     <a:srgbClr val="000000"/>
                   </a:solidFill>
@@ -491,7 +491,7 @@
             </a:ln>
             <a:extLst>
               <a:ext uri="{91240B29-F687-4f45-9708-019B960494DF}">
-                <a14:hiddenLine xmlns:a14="http://schemas.microsoft.com/office/drawing/2010/main" xmlns="" w="9525">
+                <a14:hiddenLine xmlns="" xmlns:a14="http://schemas.microsoft.com/office/drawing/2010/main" w="9525">
                   <a:solidFill>
                     <a:srgbClr val="000000"/>
                   </a:solidFill>
@@ -581,7 +581,7 @@
             </a:ln>
             <a:extLst>
               <a:ext uri="{91240B29-F687-4f45-9708-019B960494DF}">
-                <a14:hiddenLine xmlns:a14="http://schemas.microsoft.com/office/drawing/2010/main" xmlns="" w="9525">
+                <a14:hiddenLine xmlns="" xmlns:a14="http://schemas.microsoft.com/office/drawing/2010/main" w="9525">
                   <a:solidFill>
                     <a:srgbClr val="000000"/>
                   </a:solidFill>
@@ -643,7 +643,7 @@
             </a:ln>
             <a:extLst>
               <a:ext uri="{91240B29-F687-4f45-9708-019B960494DF}">
-                <a14:hiddenLine xmlns:a14="http://schemas.microsoft.com/office/drawing/2010/main" xmlns="" w="9525">
+                <a14:hiddenLine xmlns="" xmlns:a14="http://schemas.microsoft.com/office/drawing/2010/main" w="9525">
                   <a:solidFill>
                     <a:srgbClr val="000000"/>
                   </a:solidFill>
@@ -705,7 +705,7 @@
             </a:ln>
             <a:extLst>
               <a:ext uri="{91240B29-F687-4f45-9708-019B960494DF}">
-                <a14:hiddenLine xmlns:a14="http://schemas.microsoft.com/office/drawing/2010/main" xmlns="" w="9525">
+                <a14:hiddenLine xmlns="" xmlns:a14="http://schemas.microsoft.com/office/drawing/2010/main" w="9525">
                   <a:solidFill>
                     <a:srgbClr val="000000"/>
                   </a:solidFill>
@@ -795,7 +795,7 @@
             </a:ln>
             <a:extLst>
               <a:ext uri="{91240B29-F687-4f45-9708-019B960494DF}">
-                <a14:hiddenLine xmlns:a14="http://schemas.microsoft.com/office/drawing/2010/main" xmlns="" w="9525">
+                <a14:hiddenLine xmlns="" xmlns:a14="http://schemas.microsoft.com/office/drawing/2010/main" w="9525">
                   <a:solidFill>
                     <a:srgbClr val="000000"/>
                   </a:solidFill>
@@ -857,7 +857,7 @@
             </a:ln>
             <a:extLst>
               <a:ext uri="{91240B29-F687-4f45-9708-019B960494DF}">
-                <a14:hiddenLine xmlns:a14="http://schemas.microsoft.com/office/drawing/2010/main" xmlns="" w="9525">
+                <a14:hiddenLine xmlns="" xmlns:a14="http://schemas.microsoft.com/office/drawing/2010/main" w="9525">
                   <a:solidFill>
                     <a:srgbClr val="000000"/>
                   </a:solidFill>
@@ -919,7 +919,7 @@
             </a:ln>
             <a:extLst>
               <a:ext uri="{91240B29-F687-4f45-9708-019B960494DF}">
-                <a14:hiddenLine xmlns:a14="http://schemas.microsoft.com/office/drawing/2010/main" xmlns="" w="9525">
+                <a14:hiddenLine xmlns="" xmlns:a14="http://schemas.microsoft.com/office/drawing/2010/main" w="9525">
                   <a:solidFill>
                     <a:srgbClr val="000000"/>
                   </a:solidFill>
@@ -1009,7 +1009,7 @@
             </a:ln>
             <a:extLst>
               <a:ext uri="{91240B29-F687-4f45-9708-019B960494DF}">
-                <a14:hiddenLine xmlns:a14="http://schemas.microsoft.com/office/drawing/2010/main" xmlns="" w="9525">
+                <a14:hiddenLine xmlns="" xmlns:a14="http://schemas.microsoft.com/office/drawing/2010/main" w="9525">
                   <a:solidFill>
                     <a:srgbClr val="000000"/>
                   </a:solidFill>
@@ -1099,7 +1099,7 @@
             </a:ln>
             <a:extLst>
               <a:ext uri="{91240B29-F687-4f45-9708-019B960494DF}">
-                <a14:hiddenLine xmlns:a14="http://schemas.microsoft.com/office/drawing/2010/main" xmlns="" w="9525">
+                <a14:hiddenLine xmlns="" xmlns:a14="http://schemas.microsoft.com/office/drawing/2010/main" w="9525">
                   <a:solidFill>
                     <a:srgbClr val="000000"/>
                   </a:solidFill>
@@ -1161,7 +1161,7 @@
             </a:ln>
             <a:extLst>
               <a:ext uri="{91240B29-F687-4f45-9708-019B960494DF}">
-                <a14:hiddenLine xmlns:a14="http://schemas.microsoft.com/office/drawing/2010/main" xmlns="" w="9525">
+                <a14:hiddenLine xmlns="" xmlns:a14="http://schemas.microsoft.com/office/drawing/2010/main" w="9525">
                   <a:solidFill>
                     <a:srgbClr val="000000"/>
                   </a:solidFill>
@@ -1271,7 +1271,7 @@
             </a:ln>
             <a:extLst>
               <a:ext uri="{91240B29-F687-4f45-9708-019B960494DF}">
-                <a14:hiddenLine xmlns:a14="http://schemas.microsoft.com/office/drawing/2010/main" xmlns="" w="9525">
+                <a14:hiddenLine xmlns="" xmlns:a14="http://schemas.microsoft.com/office/drawing/2010/main" w="9525">
                   <a:solidFill>
                     <a:srgbClr val="000000"/>
                   </a:solidFill>
@@ -1333,7 +1333,7 @@
             </a:ln>
             <a:extLst>
               <a:ext uri="{91240B29-F687-4f45-9708-019B960494DF}">
-                <a14:hiddenLine xmlns:a14="http://schemas.microsoft.com/office/drawing/2010/main" xmlns="" w="9525">
+                <a14:hiddenLine xmlns="" xmlns:a14="http://schemas.microsoft.com/office/drawing/2010/main" w="9525">
                   <a:solidFill>
                     <a:srgbClr val="000000"/>
                   </a:solidFill>
@@ -1423,7 +1423,7 @@
             </a:ln>
             <a:extLst>
               <a:ext uri="{91240B29-F687-4f45-9708-019B960494DF}">
-                <a14:hiddenLine xmlns:a14="http://schemas.microsoft.com/office/drawing/2010/main" xmlns="" w="9525">
+                <a14:hiddenLine xmlns="" xmlns:a14="http://schemas.microsoft.com/office/drawing/2010/main" w="9525">
                   <a:solidFill>
                     <a:srgbClr val="000000"/>
                   </a:solidFill>
@@ -1513,7 +1513,7 @@
             </a:ln>
             <a:extLst>
               <a:ext uri="{91240B29-F687-4f45-9708-019B960494DF}">
-                <a14:hiddenLine xmlns:a14="http://schemas.microsoft.com/office/drawing/2010/main" xmlns="" w="9525">
+                <a14:hiddenLine xmlns="" xmlns:a14="http://schemas.microsoft.com/office/drawing/2010/main" w="9525">
                   <a:solidFill>
                     <a:srgbClr val="000000"/>
                   </a:solidFill>
@@ -1575,7 +1575,7 @@
             </a:ln>
             <a:extLst>
               <a:ext uri="{91240B29-F687-4f45-9708-019B960494DF}">
-                <a14:hiddenLine xmlns:a14="http://schemas.microsoft.com/office/drawing/2010/main" xmlns="" w="9525">
+                <a14:hiddenLine xmlns="" xmlns:a14="http://schemas.microsoft.com/office/drawing/2010/main" w="9525">
                   <a:solidFill>
                     <a:srgbClr val="000000"/>
                   </a:solidFill>
@@ -1665,7 +1665,7 @@
             </a:ln>
             <a:extLst>
               <a:ext uri="{91240B29-F687-4f45-9708-019B960494DF}">
-                <a14:hiddenLine xmlns:a14="http://schemas.microsoft.com/office/drawing/2010/main" xmlns="" w="9525">
+                <a14:hiddenLine xmlns="" xmlns:a14="http://schemas.microsoft.com/office/drawing/2010/main" w="9525">
                   <a:solidFill>
                     <a:srgbClr val="000000"/>
                   </a:solidFill>
@@ -1755,7 +1755,7 @@
             </a:ln>
             <a:extLst>
               <a:ext uri="{91240B29-F687-4f45-9708-019B960494DF}">
-                <a14:hiddenLine xmlns:a14="http://schemas.microsoft.com/office/drawing/2010/main" xmlns="" w="9525">
+                <a14:hiddenLine xmlns="" xmlns:a14="http://schemas.microsoft.com/office/drawing/2010/main" w="9525">
                   <a:solidFill>
                     <a:srgbClr val="000000"/>
                   </a:solidFill>
@@ -1811,7 +1811,7 @@
             </a:ln>
             <a:extLst>
               <a:ext uri="{91240B29-F687-4f45-9708-019B960494DF}">
-                <a14:hiddenLine xmlns:a14="http://schemas.microsoft.com/office/drawing/2010/main" xmlns="" w="9525">
+                <a14:hiddenLine xmlns="" xmlns:a14="http://schemas.microsoft.com/office/drawing/2010/main" w="9525">
                   <a:solidFill>
                     <a:srgbClr val="000000"/>
                   </a:solidFill>
@@ -1901,7 +1901,7 @@
             </a:ln>
             <a:extLst>
               <a:ext uri="{91240B29-F687-4f45-9708-019B960494DF}">
-                <a14:hiddenLine xmlns:a14="http://schemas.microsoft.com/office/drawing/2010/main" xmlns="" w="9525">
+                <a14:hiddenLine xmlns="" xmlns:a14="http://schemas.microsoft.com/office/drawing/2010/main" w="9525">
                   <a:solidFill>
                     <a:srgbClr val="000000"/>
                   </a:solidFill>
@@ -1957,7 +1957,7 @@
             </a:ln>
             <a:extLst>
               <a:ext uri="{91240B29-F687-4f45-9708-019B960494DF}">
-                <a14:hiddenLine xmlns:a14="http://schemas.microsoft.com/office/drawing/2010/main" xmlns="" w="9525">
+                <a14:hiddenLine xmlns="" xmlns:a14="http://schemas.microsoft.com/office/drawing/2010/main" w="9525">
                   <a:solidFill>
                     <a:srgbClr val="000000"/>
                   </a:solidFill>
@@ -2047,7 +2047,7 @@
             </a:ln>
             <a:extLst>
               <a:ext uri="{91240B29-F687-4f45-9708-019B960494DF}">
-                <a14:hiddenLine xmlns:a14="http://schemas.microsoft.com/office/drawing/2010/main" xmlns="" w="9525">
+                <a14:hiddenLine xmlns="" xmlns:a14="http://schemas.microsoft.com/office/drawing/2010/main" w="9525">
                   <a:solidFill>
                     <a:srgbClr val="000000"/>
                   </a:solidFill>
@@ -2115,7 +2115,7 @@
             </a:ln>
             <a:extLst>
               <a:ext uri="{91240B29-F687-4f45-9708-019B960494DF}">
-                <a14:hiddenLine xmlns:a14="http://schemas.microsoft.com/office/drawing/2010/main" xmlns="" w="9525">
+                <a14:hiddenLine xmlns="" xmlns:a14="http://schemas.microsoft.com/office/drawing/2010/main" w="9525">
                   <a:solidFill>
                     <a:srgbClr val="000000"/>
                   </a:solidFill>
@@ -2205,7 +2205,7 @@
             </a:ln>
             <a:extLst>
               <a:ext uri="{91240B29-F687-4f45-9708-019B960494DF}">
-                <a14:hiddenLine xmlns:a14="http://schemas.microsoft.com/office/drawing/2010/main" xmlns="" w="9525">
+                <a14:hiddenLine xmlns="" xmlns:a14="http://schemas.microsoft.com/office/drawing/2010/main" w="9525">
                   <a:solidFill>
                     <a:srgbClr val="000000"/>
                   </a:solidFill>
@@ -2273,7 +2273,7 @@
             </a:ln>
             <a:extLst>
               <a:ext uri="{91240B29-F687-4f45-9708-019B960494DF}">
-                <a14:hiddenLine xmlns:a14="http://schemas.microsoft.com/office/drawing/2010/main" xmlns="" w="9525">
+                <a14:hiddenLine xmlns="" xmlns:a14="http://schemas.microsoft.com/office/drawing/2010/main" w="9525">
                   <a:solidFill>
                     <a:srgbClr val="000000"/>
                   </a:solidFill>
@@ -2363,7 +2363,7 @@
             </a:ln>
             <a:extLst>
               <a:ext uri="{91240B29-F687-4f45-9708-019B960494DF}">
-                <a14:hiddenLine xmlns:a14="http://schemas.microsoft.com/office/drawing/2010/main" xmlns="" w="9525">
+                <a14:hiddenLine xmlns="" xmlns:a14="http://schemas.microsoft.com/office/drawing/2010/main" w="9525">
                   <a:solidFill>
                     <a:srgbClr val="000000"/>
                   </a:solidFill>
@@ -2397,7 +2397,7 @@
             </a:ln>
             <a:extLst>
               <a:ext uri="{91240B29-F687-4f45-9708-019B960494DF}">
-                <a14:hiddenLine xmlns:a14="http://schemas.microsoft.com/office/drawing/2010/main" xmlns="" w="9525">
+                <a14:hiddenLine xmlns="" xmlns:a14="http://schemas.microsoft.com/office/drawing/2010/main" w="9525">
                   <a:solidFill>
                     <a:srgbClr val="000000"/>
                   </a:solidFill>
@@ -2487,7 +2487,7 @@
             </a:ln>
             <a:extLst>
               <a:ext uri="{91240B29-F687-4f45-9708-019B960494DF}">
-                <a14:hiddenLine xmlns:a14="http://schemas.microsoft.com/office/drawing/2010/main" xmlns="" w="9525">
+                <a14:hiddenLine xmlns="" xmlns:a14="http://schemas.microsoft.com/office/drawing/2010/main" w="9525">
                   <a:solidFill>
                     <a:srgbClr val="000000"/>
                   </a:solidFill>
@@ -2549,7 +2549,7 @@
             </a:ln>
             <a:extLst>
               <a:ext uri="{91240B29-F687-4f45-9708-019B960494DF}">
-                <a14:hiddenLine xmlns:a14="http://schemas.microsoft.com/office/drawing/2010/main" xmlns="" w="9525">
+                <a14:hiddenLine xmlns="" xmlns:a14="http://schemas.microsoft.com/office/drawing/2010/main" w="9525">
                   <a:solidFill>
                     <a:srgbClr val="000000"/>
                   </a:solidFill>
@@ -2611,7 +2611,7 @@
             </a:ln>
             <a:extLst>
               <a:ext uri="{91240B29-F687-4f45-9708-019B960494DF}">
-                <a14:hiddenLine xmlns:a14="http://schemas.microsoft.com/office/drawing/2010/main" xmlns="" w="9525">
+                <a14:hiddenLine xmlns="" xmlns:a14="http://schemas.microsoft.com/office/drawing/2010/main" w="9525">
                   <a:solidFill>
                     <a:srgbClr val="000000"/>
                   </a:solidFill>
@@ -2701,7 +2701,7 @@
             </a:ln>
             <a:extLst>
               <a:ext uri="{91240B29-F687-4f45-9708-019B960494DF}">
-                <a14:hiddenLine xmlns:a14="http://schemas.microsoft.com/office/drawing/2010/main" xmlns="" w="9525">
+                <a14:hiddenLine xmlns="" xmlns:a14="http://schemas.microsoft.com/office/drawing/2010/main" w="9525">
                   <a:solidFill>
                     <a:srgbClr val="000000"/>
                   </a:solidFill>
@@ -2769,7 +2769,7 @@
             </a:ln>
             <a:extLst>
               <a:ext uri="{91240B29-F687-4f45-9708-019B960494DF}">
-                <a14:hiddenLine xmlns:a14="http://schemas.microsoft.com/office/drawing/2010/main" xmlns="" w="9525">
+                <a14:hiddenLine xmlns="" xmlns:a14="http://schemas.microsoft.com/office/drawing/2010/main" w="9525">
                   <a:solidFill>
                     <a:srgbClr val="000000"/>
                   </a:solidFill>
@@ -2831,7 +2831,7 @@
             </a:ln>
             <a:extLst>
               <a:ext uri="{91240B29-F687-4f45-9708-019B960494DF}">
-                <a14:hiddenLine xmlns:a14="http://schemas.microsoft.com/office/drawing/2010/main" xmlns="" w="9525">
+                <a14:hiddenLine xmlns="" xmlns:a14="http://schemas.microsoft.com/office/drawing/2010/main" w="9525">
                   <a:solidFill>
                     <a:srgbClr val="000000"/>
                   </a:solidFill>
@@ -2921,7 +2921,7 @@
             </a:ln>
             <a:extLst>
               <a:ext uri="{91240B29-F687-4f45-9708-019B960494DF}">
-                <a14:hiddenLine xmlns:a14="http://schemas.microsoft.com/office/drawing/2010/main" xmlns="" w="9525">
+                <a14:hiddenLine xmlns="" xmlns:a14="http://schemas.microsoft.com/office/drawing/2010/main" w="9525">
                   <a:solidFill>
                     <a:srgbClr val="000000"/>
                   </a:solidFill>
@@ -2983,7 +2983,7 @@
             </a:ln>
             <a:extLst>
               <a:ext uri="{91240B29-F687-4f45-9708-019B960494DF}">
-                <a14:hiddenLine xmlns:a14="http://schemas.microsoft.com/office/drawing/2010/main" xmlns="" w="9525">
+                <a14:hiddenLine xmlns="" xmlns:a14="http://schemas.microsoft.com/office/drawing/2010/main" w="9525">
                   <a:solidFill>
                     <a:srgbClr val="000000"/>
                   </a:solidFill>
@@ -3073,7 +3073,7 @@
             </a:ln>
             <a:extLst>
               <a:ext uri="{91240B29-F687-4f45-9708-019B960494DF}">
-                <a14:hiddenLine xmlns:a14="http://schemas.microsoft.com/office/drawing/2010/main" xmlns="" w="9525">
+                <a14:hiddenLine xmlns="" xmlns:a14="http://schemas.microsoft.com/office/drawing/2010/main" w="9525">
                   <a:solidFill>
                     <a:srgbClr val="000000"/>
                   </a:solidFill>
@@ -3135,7 +3135,7 @@
             </a:ln>
             <a:extLst>
               <a:ext uri="{91240B29-F687-4f45-9708-019B960494DF}">
-                <a14:hiddenLine xmlns:a14="http://schemas.microsoft.com/office/drawing/2010/main" xmlns="" w="9525">
+                <a14:hiddenLine xmlns="" xmlns:a14="http://schemas.microsoft.com/office/drawing/2010/main" w="9525">
                   <a:solidFill>
                     <a:srgbClr val="000000"/>
                   </a:solidFill>
@@ -3225,7 +3225,7 @@
             </a:ln>
             <a:extLst>
               <a:ext uri="{91240B29-F687-4f45-9708-019B960494DF}">
-                <a14:hiddenLine xmlns:a14="http://schemas.microsoft.com/office/drawing/2010/main" xmlns="" w="9525">
+                <a14:hiddenLine xmlns="" xmlns:a14="http://schemas.microsoft.com/office/drawing/2010/main" w="9525">
                   <a:solidFill>
                     <a:srgbClr val="000000"/>
                   </a:solidFill>
@@ -3259,7 +3259,7 @@
             </a:ln>
             <a:extLst>
               <a:ext uri="{91240B29-F687-4f45-9708-019B960494DF}">
-                <a14:hiddenLine xmlns:a14="http://schemas.microsoft.com/office/drawing/2010/main" xmlns="" w="9525">
+                <a14:hiddenLine xmlns="" xmlns:a14="http://schemas.microsoft.com/office/drawing/2010/main" w="9525">
                   <a:solidFill>
                     <a:srgbClr val="000000"/>
                   </a:solidFill>
@@ -3324,7 +3324,7 @@
             </a:ln>
             <a:extLst>
               <a:ext uri="{91240B29-F687-4f45-9708-019B960494DF}">
-                <a14:hiddenLine xmlns:a14="http://schemas.microsoft.com/office/drawing/2010/main" xmlns="" w="9525">
+                <a14:hiddenLine xmlns="" xmlns:a14="http://schemas.microsoft.com/office/drawing/2010/main" w="9525">
                   <a:solidFill>
                     <a:srgbClr val="000000"/>
                   </a:solidFill>
@@ -3414,7 +3414,7 @@
             </a:ln>
             <a:extLst>
               <a:ext uri="{91240B29-F687-4f45-9708-019B960494DF}">
-                <a14:hiddenLine xmlns:a14="http://schemas.microsoft.com/office/drawing/2010/main" xmlns="" w="9525">
+                <a14:hiddenLine xmlns="" xmlns:a14="http://schemas.microsoft.com/office/drawing/2010/main" w="9525">
                   <a:solidFill>
                     <a:srgbClr val="000000"/>
                   </a:solidFill>
@@ -3476,7 +3476,7 @@
             </a:ln>
             <a:extLst>
               <a:ext uri="{91240B29-F687-4f45-9708-019B960494DF}">
-                <a14:hiddenLine xmlns:a14="http://schemas.microsoft.com/office/drawing/2010/main" xmlns="" w="9525">
+                <a14:hiddenLine xmlns="" xmlns:a14="http://schemas.microsoft.com/office/drawing/2010/main" w="9525">
                   <a:solidFill>
                     <a:srgbClr val="000000"/>
                   </a:solidFill>
@@ -3566,7 +3566,7 @@
             </a:ln>
             <a:extLst>
               <a:ext uri="{91240B29-F687-4f45-9708-019B960494DF}">
-                <a14:hiddenLine xmlns:a14="http://schemas.microsoft.com/office/drawing/2010/main" xmlns="" w="9525">
+                <a14:hiddenLine xmlns="" xmlns:a14="http://schemas.microsoft.com/office/drawing/2010/main" w="9525">
                   <a:solidFill>
                     <a:srgbClr val="000000"/>
                   </a:solidFill>
@@ -3656,7 +3656,7 @@
             </a:ln>
             <a:extLst>
               <a:ext uri="{91240B29-F687-4f45-9708-019B960494DF}">
-                <a14:hiddenLine xmlns:a14="http://schemas.microsoft.com/office/drawing/2010/main" xmlns="" w="9525">
+                <a14:hiddenLine xmlns="" xmlns:a14="http://schemas.microsoft.com/office/drawing/2010/main" w="9525">
                   <a:solidFill>
                     <a:srgbClr val="000000"/>
                   </a:solidFill>
@@ -3721,7 +3721,7 @@
             </a:ln>
             <a:extLst>
               <a:ext uri="{91240B29-F687-4f45-9708-019B960494DF}">
-                <a14:hiddenLine xmlns:a14="http://schemas.microsoft.com/office/drawing/2010/main" xmlns="" w="9525">
+                <a14:hiddenLine xmlns="" xmlns:a14="http://schemas.microsoft.com/office/drawing/2010/main" w="9525">
                   <a:solidFill>
                     <a:srgbClr val="000000"/>
                   </a:solidFill>
@@ -3783,7 +3783,7 @@
             </a:ln>
             <a:extLst>
               <a:ext uri="{91240B29-F687-4f45-9708-019B960494DF}">
-                <a14:hiddenLine xmlns:a14="http://schemas.microsoft.com/office/drawing/2010/main" xmlns="" w="9525">
+                <a14:hiddenLine xmlns="" xmlns:a14="http://schemas.microsoft.com/office/drawing/2010/main" w="9525">
                   <a:solidFill>
                     <a:srgbClr val="000000"/>
                   </a:solidFill>
@@ -3873,7 +3873,7 @@
             </a:ln>
             <a:extLst>
               <a:ext uri="{91240B29-F687-4f45-9708-019B960494DF}">
-                <a14:hiddenLine xmlns:a14="http://schemas.microsoft.com/office/drawing/2010/main" xmlns="" w="9525">
+                <a14:hiddenLine xmlns="" xmlns:a14="http://schemas.microsoft.com/office/drawing/2010/main" w="9525">
                   <a:solidFill>
                     <a:srgbClr val="000000"/>
                   </a:solidFill>
@@ -3963,7 +3963,7 @@
             </a:ln>
             <a:extLst>
               <a:ext uri="{91240B29-F687-4f45-9708-019B960494DF}">
-                <a14:hiddenLine xmlns:a14="http://schemas.microsoft.com/office/drawing/2010/main" xmlns="" w="9525">
+                <a14:hiddenLine xmlns="" xmlns:a14="http://schemas.microsoft.com/office/drawing/2010/main" w="9525">
                   <a:solidFill>
                     <a:srgbClr val="000000"/>
                   </a:solidFill>
@@ -4025,7 +4025,7 @@
             </a:ln>
             <a:extLst>
               <a:ext uri="{91240B29-F687-4f45-9708-019B960494DF}">
-                <a14:hiddenLine xmlns:a14="http://schemas.microsoft.com/office/drawing/2010/main" xmlns="" w="9525">
+                <a14:hiddenLine xmlns="" xmlns:a14="http://schemas.microsoft.com/office/drawing/2010/main" w="9525">
                   <a:solidFill>
                     <a:srgbClr val="000000"/>
                   </a:solidFill>
@@ -4145,7 +4145,7 @@
             </a:ln>
             <a:extLst>
               <a:ext uri="{91240B29-F687-4f45-9708-019B960494DF}">
-                <a14:hiddenLine xmlns:a14="http://schemas.microsoft.com/office/drawing/2010/main" xmlns="" w="9525">
+                <a14:hiddenLine xmlns="" xmlns:a14="http://schemas.microsoft.com/office/drawing/2010/main" w="9525">
                   <a:solidFill>
                     <a:srgbClr val="000000"/>
                   </a:solidFill>
@@ -4213,7 +4213,7 @@
             </a:ln>
             <a:extLst>
               <a:ext uri="{91240B29-F687-4f45-9708-019B960494DF}">
-                <a14:hiddenLine xmlns:a14="http://schemas.microsoft.com/office/drawing/2010/main" xmlns="" w="9525">
+                <a14:hiddenLine xmlns="" xmlns:a14="http://schemas.microsoft.com/office/drawing/2010/main" w="9525">
                   <a:solidFill>
                     <a:srgbClr val="000000"/>
                   </a:solidFill>
@@ -4303,7 +4303,7 @@
             </a:ln>
             <a:extLst>
               <a:ext uri="{91240B29-F687-4f45-9708-019B960494DF}">
-                <a14:hiddenLine xmlns:a14="http://schemas.microsoft.com/office/drawing/2010/main" xmlns="" w="9525">
+                <a14:hiddenLine xmlns="" xmlns:a14="http://schemas.microsoft.com/office/drawing/2010/main" w="9525">
                   <a:solidFill>
                     <a:srgbClr val="000000"/>
                   </a:solidFill>
@@ -4443,7 +4443,7 @@
           <a:p>
             <a:fld id="{48A87A34-81AB-432B-8DAE-1953F412C126}" type="datetimeFigureOut">
               <a:rPr lang="en-US" dirty="0"/>
-              <a:t>11/29/2021</a:t>
+              <a:t>12/13/2021</a:t>
             </a:fld>
             <a:endParaRPr lang="en-US" dirty="0"/>
           </a:p>
@@ -4705,7 +4705,7 @@
           <a:p>
             <a:fld id="{48A87A34-81AB-432B-8DAE-1953F412C126}" type="datetimeFigureOut">
               <a:rPr lang="en-US" dirty="0"/>
-              <a:t>11/29/2021</a:t>
+              <a:t>12/13/2021</a:t>
             </a:fld>
             <a:endParaRPr lang="en-US" dirty="0"/>
           </a:p>
@@ -4896,7 +4896,7 @@
           <a:p>
             <a:fld id="{48A87A34-81AB-432B-8DAE-1953F412C126}" type="datetimeFigureOut">
               <a:rPr lang="en-US" dirty="0"/>
-              <a:t>11/29/2021</a:t>
+              <a:t>12/13/2021</a:t>
             </a:fld>
             <a:endParaRPr lang="en-US" dirty="0"/>
           </a:p>
@@ -5154,7 +5154,7 @@
           <a:p>
             <a:fld id="{48A87A34-81AB-432B-8DAE-1953F412C126}" type="datetimeFigureOut">
               <a:rPr lang="en-US" dirty="0"/>
-              <a:t>11/29/2021</a:t>
+              <a:t>12/13/2021</a:t>
             </a:fld>
             <a:endParaRPr lang="en-US" dirty="0"/>
           </a:p>
@@ -5583,7 +5583,7 @@
           <a:p>
             <a:fld id="{48A87A34-81AB-432B-8DAE-1953F412C126}" type="datetimeFigureOut">
               <a:rPr lang="en-US" dirty="0"/>
-              <a:t>11/29/2021</a:t>
+              <a:t>12/13/2021</a:t>
             </a:fld>
             <a:endParaRPr lang="en-US" dirty="0"/>
           </a:p>
@@ -6124,7 +6124,7 @@
           <a:p>
             <a:fld id="{48A87A34-81AB-432B-8DAE-1953F412C126}" type="datetimeFigureOut">
               <a:rPr lang="en-US" dirty="0"/>
-              <a:t>11/29/2021</a:t>
+              <a:t>12/13/2021</a:t>
             </a:fld>
             <a:endParaRPr lang="en-US" dirty="0"/>
           </a:p>
@@ -6839,7 +6839,7 @@
           <a:p>
             <a:fld id="{48A87A34-81AB-432B-8DAE-1953F412C126}" type="datetimeFigureOut">
               <a:rPr lang="en-US" dirty="0"/>
-              <a:t>11/29/2021</a:t>
+              <a:t>12/13/2021</a:t>
             </a:fld>
             <a:endParaRPr lang="en-US" dirty="0"/>
           </a:p>
@@ -7004,7 +7004,7 @@
           <a:p>
             <a:fld id="{48A87A34-81AB-432B-8DAE-1953F412C126}" type="datetimeFigureOut">
               <a:rPr lang="en-US" dirty="0"/>
-              <a:t>11/29/2021</a:t>
+              <a:t>12/13/2021</a:t>
             </a:fld>
             <a:endParaRPr lang="en-US" dirty="0"/>
           </a:p>
@@ -7179,7 +7179,7 @@
           <a:p>
             <a:fld id="{48A87A34-81AB-432B-8DAE-1953F412C126}" type="datetimeFigureOut">
               <a:rPr lang="en-US" dirty="0"/>
-              <a:t>11/29/2021</a:t>
+              <a:t>12/13/2021</a:t>
             </a:fld>
             <a:endParaRPr lang="en-US" dirty="0"/>
           </a:p>
@@ -7344,7 +7344,7 @@
           <a:p>
             <a:fld id="{48A87A34-81AB-432B-8DAE-1953F412C126}" type="datetimeFigureOut">
               <a:rPr lang="en-US" dirty="0"/>
-              <a:t>11/29/2021</a:t>
+              <a:t>12/13/2021</a:t>
             </a:fld>
             <a:endParaRPr lang="en-US" dirty="0"/>
           </a:p>
@@ -7589,7 +7589,7 @@
           <a:p>
             <a:fld id="{48A87A34-81AB-432B-8DAE-1953F412C126}" type="datetimeFigureOut">
               <a:rPr lang="en-US" dirty="0"/>
-              <a:t>11/29/2021</a:t>
+              <a:t>12/13/2021</a:t>
             </a:fld>
             <a:endParaRPr lang="en-US" dirty="0"/>
           </a:p>
@@ -7816,7 +7816,7 @@
           <a:p>
             <a:fld id="{48A87A34-81AB-432B-8DAE-1953F412C126}" type="datetimeFigureOut">
               <a:rPr lang="en-US" dirty="0"/>
-              <a:t>11/29/2021</a:t>
+              <a:t>12/13/2021</a:t>
             </a:fld>
             <a:endParaRPr lang="en-US" dirty="0"/>
           </a:p>
@@ -8192,7 +8192,7 @@
           <a:p>
             <a:fld id="{48A87A34-81AB-432B-8DAE-1953F412C126}" type="datetimeFigureOut">
               <a:rPr lang="en-US" dirty="0"/>
-              <a:t>11/29/2021</a:t>
+              <a:t>12/13/2021</a:t>
             </a:fld>
             <a:endParaRPr lang="en-US" dirty="0"/>
           </a:p>
@@ -8305,7 +8305,7 @@
           <a:p>
             <a:fld id="{48A87A34-81AB-432B-8DAE-1953F412C126}" type="datetimeFigureOut">
               <a:rPr lang="en-US" dirty="0"/>
-              <a:t>11/29/2021</a:t>
+              <a:t>12/13/2021</a:t>
             </a:fld>
             <a:endParaRPr lang="en-US" dirty="0"/>
           </a:p>
@@ -8395,7 +8395,7 @@
           <a:p>
             <a:fld id="{48A87A34-81AB-432B-8DAE-1953F412C126}" type="datetimeFigureOut">
               <a:rPr lang="en-US" dirty="0"/>
-              <a:t>11/29/2021</a:t>
+              <a:t>12/13/2021</a:t>
             </a:fld>
             <a:endParaRPr lang="en-US" dirty="0"/>
           </a:p>
@@ -8639,7 +8639,7 @@
           <a:p>
             <a:fld id="{48A87A34-81AB-432B-8DAE-1953F412C126}" type="datetimeFigureOut">
               <a:rPr lang="en-US" dirty="0"/>
-              <a:t>11/29/2021</a:t>
+              <a:t>12/13/2021</a:t>
             </a:fld>
             <a:endParaRPr lang="en-US" dirty="0"/>
           </a:p>
@@ -8914,7 +8914,7 @@
           <a:p>
             <a:fld id="{48A87A34-81AB-432B-8DAE-1953F412C126}" type="datetimeFigureOut">
               <a:rPr lang="en-US" dirty="0"/>
-              <a:t>11/29/2021</a:t>
+              <a:t>12/13/2021</a:t>
             </a:fld>
             <a:endParaRPr lang="en-US" dirty="0"/>
           </a:p>
@@ -9032,7 +9032,7 @@
           <a:noFill/>
           <a:extLst>
             <a:ext uri="{909E8E84-426E-40dd-AFC4-6F175D3DCCD1}">
-              <a14:hiddenFill xmlns:a14="http://schemas.microsoft.com/office/drawing/2010/main" xmlns="">
+              <a14:hiddenFill xmlns="" xmlns:a14="http://schemas.microsoft.com/office/drawing/2010/main">
                 <a:solidFill>
                   <a:srgbClr val="FFFFFF"/>
                 </a:solidFill>
@@ -9106,7 +9106,7 @@
               </a:ln>
               <a:extLst>
                 <a:ext uri="{91240B29-F687-4f45-9708-019B960494DF}">
-                  <a14:hiddenLine xmlns:a14="http://schemas.microsoft.com/office/drawing/2010/main" xmlns="" w="9525">
+                  <a14:hiddenLine xmlns="" xmlns:a14="http://schemas.microsoft.com/office/drawing/2010/main" w="9525">
                     <a:solidFill>
                       <a:srgbClr val="000000"/>
                     </a:solidFill>
@@ -9196,7 +9196,7 @@
               </a:ln>
               <a:extLst>
                 <a:ext uri="{91240B29-F687-4f45-9708-019B960494DF}">
-                  <a14:hiddenLine xmlns:a14="http://schemas.microsoft.com/office/drawing/2010/main" xmlns="" w="9525">
+                  <a14:hiddenLine xmlns="" xmlns:a14="http://schemas.microsoft.com/office/drawing/2010/main" w="9525">
                     <a:solidFill>
                       <a:srgbClr val="000000"/>
                     </a:solidFill>
@@ -9286,7 +9286,7 @@
               </a:ln>
               <a:extLst>
                 <a:ext uri="{91240B29-F687-4f45-9708-019B960494DF}">
-                  <a14:hiddenLine xmlns:a14="http://schemas.microsoft.com/office/drawing/2010/main" xmlns="" w="9525">
+                  <a14:hiddenLine xmlns="" xmlns:a14="http://schemas.microsoft.com/office/drawing/2010/main" w="9525">
                     <a:solidFill>
                       <a:srgbClr val="000000"/>
                     </a:solidFill>
@@ -9348,7 +9348,7 @@
               </a:ln>
               <a:extLst>
                 <a:ext uri="{91240B29-F687-4f45-9708-019B960494DF}">
-                  <a14:hiddenLine xmlns:a14="http://schemas.microsoft.com/office/drawing/2010/main" xmlns="" w="9525">
+                  <a14:hiddenLine xmlns="" xmlns:a14="http://schemas.microsoft.com/office/drawing/2010/main" w="9525">
                     <a:solidFill>
                       <a:srgbClr val="000000"/>
                     </a:solidFill>
@@ -9438,7 +9438,7 @@
               </a:ln>
               <a:extLst>
                 <a:ext uri="{91240B29-F687-4f45-9708-019B960494DF}">
-                  <a14:hiddenLine xmlns:a14="http://schemas.microsoft.com/office/drawing/2010/main" xmlns="" w="9525">
+                  <a14:hiddenLine xmlns="" xmlns:a14="http://schemas.microsoft.com/office/drawing/2010/main" w="9525">
                     <a:solidFill>
                       <a:srgbClr val="000000"/>
                     </a:solidFill>
@@ -9500,7 +9500,7 @@
               </a:ln>
               <a:extLst>
                 <a:ext uri="{91240B29-F687-4f45-9708-019B960494DF}">
-                  <a14:hiddenLine xmlns:a14="http://schemas.microsoft.com/office/drawing/2010/main" xmlns="" w="9525">
+                  <a14:hiddenLine xmlns="" xmlns:a14="http://schemas.microsoft.com/office/drawing/2010/main" w="9525">
                     <a:solidFill>
                       <a:srgbClr val="000000"/>
                     </a:solidFill>
@@ -9562,7 +9562,7 @@
               </a:ln>
               <a:extLst>
                 <a:ext uri="{91240B29-F687-4f45-9708-019B960494DF}">
-                  <a14:hiddenLine xmlns:a14="http://schemas.microsoft.com/office/drawing/2010/main" xmlns="" w="9525">
+                  <a14:hiddenLine xmlns="" xmlns:a14="http://schemas.microsoft.com/office/drawing/2010/main" w="9525">
                     <a:solidFill>
                       <a:srgbClr val="000000"/>
                     </a:solidFill>
@@ -9652,7 +9652,7 @@
               </a:ln>
               <a:extLst>
                 <a:ext uri="{91240B29-F687-4f45-9708-019B960494DF}">
-                  <a14:hiddenLine xmlns:a14="http://schemas.microsoft.com/office/drawing/2010/main" xmlns="" w="9525">
+                  <a14:hiddenLine xmlns="" xmlns:a14="http://schemas.microsoft.com/office/drawing/2010/main" w="9525">
                     <a:solidFill>
                       <a:srgbClr val="000000"/>
                     </a:solidFill>
@@ -9742,7 +9742,7 @@
               </a:ln>
               <a:extLst>
                 <a:ext uri="{91240B29-F687-4f45-9708-019B960494DF}">
-                  <a14:hiddenLine xmlns:a14="http://schemas.microsoft.com/office/drawing/2010/main" xmlns="" w="9525">
+                  <a14:hiddenLine xmlns="" xmlns:a14="http://schemas.microsoft.com/office/drawing/2010/main" w="9525">
                     <a:solidFill>
                       <a:srgbClr val="000000"/>
                     </a:solidFill>
@@ -9804,7 +9804,7 @@
               </a:ln>
               <a:extLst>
                 <a:ext uri="{91240B29-F687-4f45-9708-019B960494DF}">
-                  <a14:hiddenLine xmlns:a14="http://schemas.microsoft.com/office/drawing/2010/main" xmlns="" w="9525">
+                  <a14:hiddenLine xmlns="" xmlns:a14="http://schemas.microsoft.com/office/drawing/2010/main" w="9525">
                     <a:solidFill>
                       <a:srgbClr val="000000"/>
                     </a:solidFill>
@@ -9914,7 +9914,7 @@
               </a:ln>
               <a:extLst>
                 <a:ext uri="{91240B29-F687-4f45-9708-019B960494DF}">
-                  <a14:hiddenLine xmlns:a14="http://schemas.microsoft.com/office/drawing/2010/main" xmlns="" w="9525">
+                  <a14:hiddenLine xmlns="" xmlns:a14="http://schemas.microsoft.com/office/drawing/2010/main" w="9525">
                     <a:solidFill>
                       <a:srgbClr val="000000"/>
                     </a:solidFill>
@@ -9998,7 +9998,7 @@
               </a:ln>
               <a:extLst>
                 <a:ext uri="{91240B29-F687-4f45-9708-019B960494DF}">
-                  <a14:hiddenLine xmlns:a14="http://schemas.microsoft.com/office/drawing/2010/main" xmlns="" w="9525">
+                  <a14:hiddenLine xmlns="" xmlns:a14="http://schemas.microsoft.com/office/drawing/2010/main" w="9525">
                     <a:solidFill>
                       <a:srgbClr val="000000"/>
                     </a:solidFill>
@@ -10060,7 +10060,7 @@
               </a:ln>
               <a:extLst>
                 <a:ext uri="{91240B29-F687-4f45-9708-019B960494DF}">
-                  <a14:hiddenLine xmlns:a14="http://schemas.microsoft.com/office/drawing/2010/main" xmlns="" w="9525">
+                  <a14:hiddenLine xmlns="" xmlns:a14="http://schemas.microsoft.com/office/drawing/2010/main" w="9525">
                     <a:solidFill>
                       <a:srgbClr val="000000"/>
                     </a:solidFill>
@@ -10122,7 +10122,7 @@
               </a:ln>
               <a:extLst>
                 <a:ext uri="{91240B29-F687-4f45-9708-019B960494DF}">
-                  <a14:hiddenLine xmlns:a14="http://schemas.microsoft.com/office/drawing/2010/main" xmlns="" w="9525">
+                  <a14:hiddenLine xmlns="" xmlns:a14="http://schemas.microsoft.com/office/drawing/2010/main" w="9525">
                     <a:solidFill>
                       <a:srgbClr val="000000"/>
                     </a:solidFill>
@@ -10212,7 +10212,7 @@
               </a:ln>
               <a:extLst>
                 <a:ext uri="{91240B29-F687-4f45-9708-019B960494DF}">
-                  <a14:hiddenLine xmlns:a14="http://schemas.microsoft.com/office/drawing/2010/main" xmlns="" w="9525">
+                  <a14:hiddenLine xmlns="" xmlns:a14="http://schemas.microsoft.com/office/drawing/2010/main" w="9525">
                     <a:solidFill>
                       <a:srgbClr val="000000"/>
                     </a:solidFill>
@@ -10246,7 +10246,7 @@
               </a:ln>
               <a:extLst>
                 <a:ext uri="{91240B29-F687-4f45-9708-019B960494DF}">
-                  <a14:hiddenLine xmlns:a14="http://schemas.microsoft.com/office/drawing/2010/main" xmlns="" w="9525">
+                  <a14:hiddenLine xmlns="" xmlns:a14="http://schemas.microsoft.com/office/drawing/2010/main" w="9525">
                     <a:solidFill>
                       <a:srgbClr val="000000"/>
                     </a:solidFill>
@@ -10311,7 +10311,7 @@
               </a:ln>
               <a:extLst>
                 <a:ext uri="{91240B29-F687-4f45-9708-019B960494DF}">
-                  <a14:hiddenLine xmlns:a14="http://schemas.microsoft.com/office/drawing/2010/main" xmlns="" w="9525">
+                  <a14:hiddenLine xmlns="" xmlns:a14="http://schemas.microsoft.com/office/drawing/2010/main" w="9525">
                     <a:solidFill>
                       <a:srgbClr val="000000"/>
                     </a:solidFill>
@@ -10401,7 +10401,7 @@
               </a:ln>
               <a:extLst>
                 <a:ext uri="{91240B29-F687-4f45-9708-019B960494DF}">
-                  <a14:hiddenLine xmlns:a14="http://schemas.microsoft.com/office/drawing/2010/main" xmlns="" w="9525">
+                  <a14:hiddenLine xmlns="" xmlns:a14="http://schemas.microsoft.com/office/drawing/2010/main" w="9525">
                     <a:solidFill>
                       <a:srgbClr val="000000"/>
                     </a:solidFill>
@@ -10463,7 +10463,7 @@
               </a:ln>
               <a:extLst>
                 <a:ext uri="{91240B29-F687-4f45-9708-019B960494DF}">
-                  <a14:hiddenLine xmlns:a14="http://schemas.microsoft.com/office/drawing/2010/main" xmlns="" w="9525">
+                  <a14:hiddenLine xmlns="" xmlns:a14="http://schemas.microsoft.com/office/drawing/2010/main" w="9525">
                     <a:solidFill>
                       <a:srgbClr val="000000"/>
                     </a:solidFill>
@@ -10553,7 +10553,7 @@
               </a:ln>
               <a:extLst>
                 <a:ext uri="{91240B29-F687-4f45-9708-019B960494DF}">
-                  <a14:hiddenLine xmlns:a14="http://schemas.microsoft.com/office/drawing/2010/main" xmlns="" w="9525">
+                  <a14:hiddenLine xmlns="" xmlns:a14="http://schemas.microsoft.com/office/drawing/2010/main" w="9525">
                     <a:solidFill>
                       <a:srgbClr val="000000"/>
                     </a:solidFill>
@@ -10618,7 +10618,7 @@
               </a:ln>
               <a:extLst>
                 <a:ext uri="{91240B29-F687-4f45-9708-019B960494DF}">
-                  <a14:hiddenLine xmlns:a14="http://schemas.microsoft.com/office/drawing/2010/main" xmlns="" w="9525">
+                  <a14:hiddenLine xmlns="" xmlns:a14="http://schemas.microsoft.com/office/drawing/2010/main" w="9525">
                     <a:solidFill>
                       <a:srgbClr val="000000"/>
                     </a:solidFill>
@@ -10680,7 +10680,7 @@
               </a:ln>
               <a:extLst>
                 <a:ext uri="{91240B29-F687-4f45-9708-019B960494DF}">
-                  <a14:hiddenLine xmlns:a14="http://schemas.microsoft.com/office/drawing/2010/main" xmlns="" w="9525">
+                  <a14:hiddenLine xmlns="" xmlns:a14="http://schemas.microsoft.com/office/drawing/2010/main" w="9525">
                     <a:solidFill>
                       <a:srgbClr val="000000"/>
                     </a:solidFill>
@@ -10770,7 +10770,7 @@
               </a:ln>
               <a:extLst>
                 <a:ext uri="{91240B29-F687-4f45-9708-019B960494DF}">
-                  <a14:hiddenLine xmlns:a14="http://schemas.microsoft.com/office/drawing/2010/main" xmlns="" w="9525">
+                  <a14:hiddenLine xmlns="" xmlns:a14="http://schemas.microsoft.com/office/drawing/2010/main" w="9525">
                     <a:solidFill>
                       <a:srgbClr val="000000"/>
                     </a:solidFill>
@@ -10860,7 +10860,7 @@
               </a:ln>
               <a:extLst>
                 <a:ext uri="{91240B29-F687-4f45-9708-019B960494DF}">
-                  <a14:hiddenLine xmlns:a14="http://schemas.microsoft.com/office/drawing/2010/main" xmlns="" w="9525">
+                  <a14:hiddenLine xmlns="" xmlns:a14="http://schemas.microsoft.com/office/drawing/2010/main" w="9525">
                     <a:solidFill>
                       <a:srgbClr val="000000"/>
                     </a:solidFill>
@@ -10925,7 +10925,7 @@
               </a:ln>
               <a:extLst>
                 <a:ext uri="{91240B29-F687-4f45-9708-019B960494DF}">
-                  <a14:hiddenLine xmlns:a14="http://schemas.microsoft.com/office/drawing/2010/main" xmlns="" w="9525">
+                  <a14:hiddenLine xmlns="" xmlns:a14="http://schemas.microsoft.com/office/drawing/2010/main" w="9525">
                     <a:solidFill>
                       <a:srgbClr val="000000"/>
                     </a:solidFill>
@@ -11045,7 +11045,7 @@
               </a:ln>
               <a:extLst>
                 <a:ext uri="{91240B29-F687-4f45-9708-019B960494DF}">
-                  <a14:hiddenLine xmlns:a14="http://schemas.microsoft.com/office/drawing/2010/main" xmlns="" w="9525">
+                  <a14:hiddenLine xmlns="" xmlns:a14="http://schemas.microsoft.com/office/drawing/2010/main" w="9525">
                     <a:solidFill>
                       <a:srgbClr val="000000"/>
                     </a:solidFill>
@@ -11126,7 +11126,7 @@
               </a:ln>
               <a:extLst>
                 <a:ext uri="{91240B29-F687-4f45-9708-019B960494DF}">
-                  <a14:hiddenLine xmlns:a14="http://schemas.microsoft.com/office/drawing/2010/main" xmlns="" w="9525">
+                  <a14:hiddenLine xmlns="" xmlns:a14="http://schemas.microsoft.com/office/drawing/2010/main" w="9525">
                     <a:solidFill>
                       <a:srgbClr val="000000"/>
                     </a:solidFill>
@@ -11241,7 +11241,7 @@
               </a:ln>
               <a:extLst>
                 <a:ext uri="{91240B29-F687-4f45-9708-019B960494DF}">
-                  <a14:hiddenLine xmlns:a14="http://schemas.microsoft.com/office/drawing/2010/main" xmlns="" w="9525">
+                  <a14:hiddenLine xmlns="" xmlns:a14="http://schemas.microsoft.com/office/drawing/2010/main" w="9525">
                     <a:solidFill>
                       <a:srgbClr val="000000"/>
                     </a:solidFill>
@@ -11331,7 +11331,7 @@
               </a:ln>
               <a:extLst>
                 <a:ext uri="{91240B29-F687-4f45-9708-019B960494DF}">
-                  <a14:hiddenLine xmlns:a14="http://schemas.microsoft.com/office/drawing/2010/main" xmlns="" w="9525">
+                  <a14:hiddenLine xmlns="" xmlns:a14="http://schemas.microsoft.com/office/drawing/2010/main" w="9525">
                     <a:solidFill>
                       <a:srgbClr val="000000"/>
                     </a:solidFill>
@@ -11396,7 +11396,7 @@
               </a:ln>
               <a:extLst>
                 <a:ext uri="{91240B29-F687-4f45-9708-019B960494DF}">
-                  <a14:hiddenLine xmlns:a14="http://schemas.microsoft.com/office/drawing/2010/main" xmlns="" w="9525">
+                  <a14:hiddenLine xmlns="" xmlns:a14="http://schemas.microsoft.com/office/drawing/2010/main" w="9525">
                     <a:solidFill>
                       <a:srgbClr val="000000"/>
                     </a:solidFill>
@@ -11486,7 +11486,7 @@
               </a:ln>
               <a:extLst>
                 <a:ext uri="{91240B29-F687-4f45-9708-019B960494DF}">
-                  <a14:hiddenLine xmlns:a14="http://schemas.microsoft.com/office/drawing/2010/main" xmlns="" w="9525">
+                  <a14:hiddenLine xmlns="" xmlns:a14="http://schemas.microsoft.com/office/drawing/2010/main" w="9525">
                     <a:solidFill>
                       <a:srgbClr val="000000"/>
                     </a:solidFill>
@@ -11554,7 +11554,7 @@
               </a:ln>
               <a:extLst>
                 <a:ext uri="{91240B29-F687-4f45-9708-019B960494DF}">
-                  <a14:hiddenLine xmlns:a14="http://schemas.microsoft.com/office/drawing/2010/main" xmlns="" w="9525">
+                  <a14:hiddenLine xmlns="" xmlns:a14="http://schemas.microsoft.com/office/drawing/2010/main" w="9525">
                     <a:solidFill>
                       <a:srgbClr val="000000"/>
                     </a:solidFill>
@@ -11644,7 +11644,7 @@
               </a:ln>
               <a:extLst>
                 <a:ext uri="{91240B29-F687-4f45-9708-019B960494DF}">
-                  <a14:hiddenLine xmlns:a14="http://schemas.microsoft.com/office/drawing/2010/main" xmlns="" w="9525">
+                  <a14:hiddenLine xmlns="" xmlns:a14="http://schemas.microsoft.com/office/drawing/2010/main" w="9525">
                     <a:solidFill>
                       <a:srgbClr val="000000"/>
                     </a:solidFill>
@@ -11712,7 +11712,7 @@
               </a:ln>
               <a:extLst>
                 <a:ext uri="{91240B29-F687-4f45-9708-019B960494DF}">
-                  <a14:hiddenLine xmlns:a14="http://schemas.microsoft.com/office/drawing/2010/main" xmlns="" w="9525">
+                  <a14:hiddenLine xmlns="" xmlns:a14="http://schemas.microsoft.com/office/drawing/2010/main" w="9525">
                     <a:solidFill>
                       <a:srgbClr val="000000"/>
                     </a:solidFill>
@@ -11802,7 +11802,7 @@
               </a:ln>
               <a:extLst>
                 <a:ext uri="{91240B29-F687-4f45-9708-019B960494DF}">
-                  <a14:hiddenLine xmlns:a14="http://schemas.microsoft.com/office/drawing/2010/main" xmlns="" w="9525">
+                  <a14:hiddenLine xmlns="" xmlns:a14="http://schemas.microsoft.com/office/drawing/2010/main" w="9525">
                     <a:solidFill>
                       <a:srgbClr val="000000"/>
                     </a:solidFill>
@@ -11836,7 +11836,7 @@
               </a:ln>
               <a:extLst>
                 <a:ext uri="{91240B29-F687-4f45-9708-019B960494DF}">
-                  <a14:hiddenLine xmlns:a14="http://schemas.microsoft.com/office/drawing/2010/main" xmlns="" w="9525">
+                  <a14:hiddenLine xmlns="" xmlns:a14="http://schemas.microsoft.com/office/drawing/2010/main" w="9525">
                     <a:solidFill>
                       <a:srgbClr val="000000"/>
                     </a:solidFill>
@@ -11977,7 +11977,7 @@
             <a:fld id="{48A87A34-81AB-432B-8DAE-1953F412C126}" type="datetimeFigureOut">
               <a:rPr lang="en-US" dirty="0"/>
               <a:pPr/>
-              <a:t>11/29/2021</a:t>
+              <a:t>12/13/2021</a:t>
             </a:fld>
             <a:endParaRPr lang="en-US" dirty="0"/>
           </a:p>
@@ -12676,7 +12676,6 @@
               <a:rPr lang="en-US" sz="2200" dirty="0" smtClean="0"/>
               <a:t>. </a:t>
             </a:r>
-            <a:endParaRPr lang="en-US" sz="2200" dirty="0" smtClean="0"/>
           </a:p>
           <a:p>
             <a:pPr marL="0" indent="0">
@@ -12829,7 +12828,6 @@
               <a:rPr lang="en-US" sz="2000" dirty="0"/>
               <a:t>another Docker management group. Let's take a look at the stack management commands: </a:t>
             </a:r>
-            <a:endParaRPr lang="en-US" sz="2000" dirty="0"/>
           </a:p>
         </p:txBody>
       </p:sp>
@@ -13745,11 +13743,7 @@
           <a:p>
             <a:r>
               <a:rPr lang="en-US" dirty="0" smtClean="0"/>
-              <a:t>Docker stack </a:t>
-            </a:r>
-            <a:r>
-              <a:rPr lang="en-US" dirty="0" smtClean="0"/>
-              <a:t>EXAMPLE CODE</a:t>
+              <a:t>Docker stack EXAMPLE CODE</a:t>
             </a:r>
             <a:endParaRPr lang="en-US" dirty="0"/>
           </a:p>
@@ -13880,11 +13874,7 @@
             </a:br>
             <a:r>
               <a:rPr lang="en-US" sz="2000" dirty="0"/>
-              <a:t>My fork of the voting app</a:t>
-            </a:r>
-            <a:r>
-              <a:rPr lang="en-US" sz="2000" dirty="0"/>
-              <a:t>: </a:t>
+              <a:t>My fork of the voting app: </a:t>
             </a:r>
             <a:r>
               <a:rPr lang="en-US" sz="2000" dirty="0">
@@ -14413,11 +14403,7 @@
             </a:r>
             <a:r>
               <a:rPr lang="en-US" dirty="0"/>
-              <a:t>.</a:t>
-            </a:r>
-            <a:r>
-              <a:rPr lang="en-US" dirty="0"/>
-              <a:t> </a:t>
+              <a:t>. </a:t>
             </a:r>
             <a:br>
               <a:rPr lang="en-US" dirty="0"/>
@@ -14744,13 +14730,8 @@
             </a:r>
             <a:r>
               <a:rPr lang="en-US" sz="1800" dirty="0"/>
-              <a:t>app using your custom images.</a:t>
-            </a:r>
-            <a:r>
-              <a:rPr lang="en-US" sz="1800" dirty="0"/>
-              <a:t> </a:t>
-            </a:r>
-            <a:endParaRPr lang="en-US" sz="1800" dirty="0"/>
+              <a:t>app using your custom images. </a:t>
+            </a:r>
           </a:p>
         </p:txBody>
       </p:sp>
@@ -15260,11 +15241,7 @@
             </a:r>
             <a:r>
               <a:rPr lang="en-US" dirty="0" smtClean="0"/>
-              <a:t> file in your favorite code editor if yo</a:t>
-            </a:r>
-            <a:r>
-              <a:rPr lang="en-US" dirty="0" smtClean="0"/>
-              <a:t>u want to follow along: </a:t>
+              <a:t> file in your favorite code editor if you want to follow along: </a:t>
             </a:r>
             <a:r>
               <a:rPr lang="en-US" dirty="0" err="1" smtClean="0">
@@ -15812,13 +15789,8 @@
             </a:r>
             <a:r>
               <a:rPr lang="en-US" sz="2000" dirty="0"/>
-              <a:t>components it deploys as part of the stack.</a:t>
-            </a:r>
-            <a:r>
-              <a:rPr lang="en-US" sz="2000" dirty="0"/>
-              <a:t> </a:t>
-            </a:r>
-            <a:endParaRPr lang="en-US" sz="2000" dirty="0"/>
+              <a:t>components it deploys as part of the stack. </a:t>
+            </a:r>
           </a:p>
         </p:txBody>
       </p:sp>
@@ -17079,10 +17051,6 @@
               <a:rPr lang="en-US" dirty="0"/>
               <a:t>. </a:t>
             </a:r>
-            <a:r>
-              <a:rPr lang="en-US" dirty="0"/>
-              <a:t/>
-            </a:r>
             <a:br>
               <a:rPr lang="en-US" dirty="0"/>
             </a:br>
@@ -17830,10 +17798,6 @@
               <a:rPr lang="en-US" dirty="0"/>
               <a:t>essentially the orchestration instructions. </a:t>
             </a:r>
-            <a:r>
-              <a:rPr lang="en-US" dirty="0"/>
-              <a:t/>
-            </a:r>
             <a:br>
               <a:rPr lang="en-US" dirty="0"/>
             </a:br>
@@ -18133,7 +18097,6 @@
               <a:rPr lang="en-US" sz="2000" dirty="0"/>
               <a:t>its place.</a:t>
             </a:r>
-            <a:endParaRPr lang="en-US" sz="2000" dirty="0"/>
           </a:p>
         </p:txBody>
       </p:sp>
@@ -18357,10 +18320,6 @@
             <a:r>
               <a:rPr lang="en-US" sz="2000" dirty="0"/>
               <a:t>/data. </a:t>
-            </a:r>
-            <a:r>
-              <a:rPr lang="en-US" sz="2000" dirty="0"/>
-              <a:t/>
             </a:r>
             <a:br>
               <a:rPr lang="en-US" sz="2000" dirty="0"/>
@@ -18823,7 +18782,7 @@
             </a:r>
             <a:r>
               <a:rPr lang="en-US" sz="2800" dirty="0" smtClean="0"/>
-              <a:t>stack. </a:t>
+              <a:t>stacks. </a:t>
             </a:r>
             <a:endParaRPr lang="en-US" sz="2800" dirty="0" smtClean="0"/>
           </a:p>
@@ -18838,7 +18797,7 @@
             </a:r>
             <a:r>
               <a:rPr lang="en-US" sz="2800" dirty="0" smtClean="0"/>
-              <a:t>stack </a:t>
+              <a:t>stacks </a:t>
             </a:r>
             <a:r>
               <a:rPr lang="en-US" sz="2800" dirty="0"/>
@@ -19671,10 +19630,6 @@
               <a:rPr lang="en-US" dirty="0"/>
               <a:t>. </a:t>
             </a:r>
-            <a:r>
-              <a:rPr lang="en-US" dirty="0"/>
-              <a:t/>
-            </a:r>
             <a:br>
               <a:rPr lang="en-US" dirty="0"/>
             </a:br>
@@ -19882,11 +19837,7 @@
             </a:br>
             <a:r>
               <a:rPr lang="en-US" dirty="0"/>
-              <a:t>Here are the results in my environment right now</a:t>
-            </a:r>
-            <a:r>
-              <a:rPr lang="en-US" dirty="0"/>
-              <a:t> </a:t>
+              <a:t>Here are the results in my environment right now </a:t>
             </a:r>
             <a:br>
               <a:rPr lang="en-US" dirty="0"/>
@@ -20076,11 +20027,7 @@
             </a:r>
             <a:r>
               <a:rPr lang="en-US" sz="1600" dirty="0"/>
-              <a:t>is what we see in the example environment:</a:t>
-            </a:r>
-            <a:r>
-              <a:rPr lang="en-US" sz="1600" dirty="0"/>
-              <a:t> </a:t>
+              <a:t>is what we see in the example environment: </a:t>
             </a:r>
             <a:endParaRPr lang="en-US" sz="1600" dirty="0" smtClean="0"/>
           </a:p>
@@ -20180,13 +20127,8 @@
             </a:r>
             <a:r>
               <a:rPr lang="en-US" sz="1600" dirty="0"/>
-              <a:t>port 5000 (on any node in the swarm) now:</a:t>
-            </a:r>
-            <a:r>
-              <a:rPr lang="en-US" sz="1600" dirty="0"/>
-              <a:t> </a:t>
-            </a:r>
-            <a:endParaRPr lang="en-US" sz="1600" dirty="0"/>
+              <a:t>port 5000 (on any node in the swarm) now: </a:t>
+            </a:r>
           </a:p>
         </p:txBody>
       </p:sp>
@@ -20513,10 +20455,6 @@
             <a:r>
               <a:rPr lang="en-US" sz="2000" dirty="0"/>
               <a:t>on this command. </a:t>
-            </a:r>
-            <a:r>
-              <a:rPr lang="en-US" sz="2000" dirty="0"/>
-              <a:t/>
             </a:r>
             <a:br>
               <a:rPr lang="en-US" sz="2000" dirty="0"/>
@@ -21388,7 +21326,11 @@
           <a:p>
             <a:r>
               <a:rPr lang="en-US" dirty="0" smtClean="0"/>
-              <a:t>Understanding the use of Docker STACK?</a:t>
+              <a:t>Understanding the use of Docker </a:t>
+            </a:r>
+            <a:r>
+              <a:rPr lang="en-US" dirty="0" smtClean="0"/>
+              <a:t>STACKs?</a:t>
             </a:r>
             <a:endParaRPr lang="en-US" dirty="0"/>
           </a:p>
@@ -21538,7 +21480,11 @@
           <a:p>
             <a:r>
               <a:rPr lang="en-US" dirty="0" smtClean="0"/>
-              <a:t>Understanding the use of Docker STACK?</a:t>
+              <a:t>Understanding the use of Docker </a:t>
+            </a:r>
+            <a:r>
+              <a:rPr lang="en-US" dirty="0" smtClean="0"/>
+              <a:t>STACKs?</a:t>
             </a:r>
             <a:endParaRPr lang="en-US" dirty="0"/>
           </a:p>
@@ -21625,7 +21571,7 @@
             </a:r>
             <a:r>
               <a:rPr lang="en-US" dirty="0" smtClean="0"/>
-              <a:t>Stack, </a:t>
+              <a:t>stacks, </a:t>
             </a:r>
             <a:r>
               <a:rPr lang="en-US" dirty="0"/>
@@ -21633,7 +21579,7 @@
             </a:r>
             <a:r>
               <a:rPr lang="en-US" dirty="0" smtClean="0"/>
-              <a:t>stack </a:t>
+              <a:t>stacks </a:t>
             </a:r>
             <a:r>
               <a:rPr lang="en-US" dirty="0"/>
@@ -21727,7 +21673,11 @@
           <a:p>
             <a:r>
               <a:rPr lang="en-US" dirty="0" smtClean="0"/>
-              <a:t>Understanding the use of Docker STACK?</a:t>
+              <a:t>Understanding the use of Docker </a:t>
+            </a:r>
+            <a:r>
+              <a:rPr lang="en-US" dirty="0" smtClean="0"/>
+              <a:t>STACKs?</a:t>
             </a:r>
             <a:endParaRPr lang="en-US" dirty="0"/>
           </a:p>
@@ -21760,11 +21710,7 @@
             </a:pPr>
             <a:r>
               <a:rPr lang="en-US" dirty="0" smtClean="0"/>
-              <a:t>Docker Stack </a:t>
-            </a:r>
-            <a:r>
-              <a:rPr lang="en-US" dirty="0" smtClean="0"/>
-              <a:t>manages </a:t>
+              <a:t>Docker Stack manages </a:t>
             </a:r>
             <a:r>
               <a:rPr lang="en-US" dirty="0"/>
@@ -21780,11 +21726,7 @@
             </a:r>
             <a:r>
               <a:rPr lang="en-US" dirty="0" smtClean="0"/>
-              <a:t>which, by the way, </a:t>
-            </a:r>
-            <a:r>
-              <a:rPr lang="en-US" dirty="0" smtClean="0"/>
-              <a:t>was </a:t>
+              <a:t>which, by the way, was </a:t>
             </a:r>
             <a:r>
               <a:rPr lang="en-US" dirty="0"/>
@@ -21814,11 +21756,11 @@
             </a:r>
             <a:r>
               <a:rPr lang="en-US" dirty="0" smtClean="0"/>
-              <a:t>Stack </a:t>
-            </a:r>
-            <a:r>
-              <a:rPr lang="en-US" dirty="0"/>
-              <a:t>is already included </a:t>
+              <a:t>Docker stack management group is </a:t>
+            </a:r>
+            <a:r>
+              <a:rPr lang="en-US" dirty="0"/>
+              <a:t>already included </a:t>
             </a:r>
             <a:r>
               <a:rPr lang="en-US" dirty="0" smtClean="0"/>
@@ -21832,7 +21774,6 @@
               <a:rPr lang="en-US" dirty="0" smtClean="0"/>
               <a:t>. </a:t>
             </a:r>
-            <a:endParaRPr lang="en-US" dirty="0" smtClean="0"/>
           </a:p>
           <a:p>
             <a:pPr marL="0" indent="0">
@@ -21892,20 +21833,11 @@
             </a:r>
             <a:r>
               <a:rPr lang="en-US" dirty="0" smtClean="0"/>
-              <a:t>of Docker </a:t>
+              <a:t>of Docker stack? </a:t>
             </a:r>
             <a:r>
               <a:rPr lang="en-US" dirty="0" smtClean="0"/>
-              <a:t>stack? </a:t>
-            </a:r>
-          </a:p>
-          <a:p>
-            <a:pPr marL="0" indent="0">
-              <a:buNone/>
-            </a:pPr>
-            <a:r>
-              <a:rPr lang="en-US" dirty="0" smtClean="0"/>
-              <a:t>Great </a:t>
+              <a:t> Great </a:t>
             </a:r>
             <a:r>
               <a:rPr lang="en-US" dirty="0"/>
